--- a/RE-EDAP-grafik.pptx
+++ b/RE-EDAP-grafik.pptx
@@ -4,6 +4,9 @@
   <p:sldMasterIdLst>
     <p:sldMasterId id="2147483648" r:id="rId1"/>
   </p:sldMasterIdLst>
+  <p:notesMasterIdLst>
+    <p:notesMasterId r:id="rId3"/>
+  </p:notesMasterIdLst>
   <p:sldIdLst>
     <p:sldId id="256" r:id="rId2"/>
   </p:sldIdLst>
@@ -104,7 +107,468 @@
       </a:defRPr>
     </a:lvl9pPr>
   </p:defaultTextStyle>
+  <p:extLst>
+    <p:ext uri="{EFAFB233-063F-42B5-8137-9DF3F51BA10A}">
+      <p15:sldGuideLst xmlns:p15="http://schemas.microsoft.com/office/powerpoint/2012/main"/>
+    </p:ext>
+  </p:extLst>
 </p:presentation>
+</file>
+
+<file path=ppt/notesMasters/notesMaster1.xml><?xml version="1.0" encoding="utf-8"?>
+<p:notesMaster xmlns:a="http://schemas.openxmlformats.org/drawingml/2006/main" xmlns:r="http://schemas.openxmlformats.org/officeDocument/2006/relationships" xmlns:p="http://schemas.openxmlformats.org/presentationml/2006/main">
+  <p:cSld>
+    <p:bg>
+      <p:bgRef idx="1001">
+        <a:schemeClr val="bg1"/>
+      </p:bgRef>
+    </p:bg>
+    <p:spTree>
+      <p:nvGrpSpPr>
+        <p:cNvPr id="1" name=""/>
+        <p:cNvGrpSpPr/>
+        <p:nvPr/>
+      </p:nvGrpSpPr>
+      <p:grpSpPr>
+        <a:xfrm>
+          <a:off x="0" y="0"/>
+          <a:ext cx="0" cy="0"/>
+          <a:chOff x="0" y="0"/>
+          <a:chExt cx="0" cy="0"/>
+        </a:xfrm>
+      </p:grpSpPr>
+      <p:sp>
+        <p:nvSpPr>
+          <p:cNvPr id="2" name="Kopfzeilenplatzhalter 1"/>
+          <p:cNvSpPr>
+            <a:spLocks noGrp="1"/>
+          </p:cNvSpPr>
+          <p:nvPr>
+            <p:ph type="hdr" sz="quarter"/>
+          </p:nvPr>
+        </p:nvSpPr>
+        <p:spPr>
+          <a:xfrm>
+            <a:off x="0" y="0"/>
+            <a:ext cx="2971800" cy="458788"/>
+          </a:xfrm>
+          <a:prstGeom prst="rect">
+            <a:avLst/>
+          </a:prstGeom>
+        </p:spPr>
+        <p:txBody>
+          <a:bodyPr vert="horz" lIns="91440" tIns="45720" rIns="91440" bIns="45720" rtlCol="0"/>
+          <a:lstStyle>
+            <a:lvl1pPr algn="l">
+              <a:defRPr sz="1200"/>
+            </a:lvl1pPr>
+          </a:lstStyle>
+          <a:p>
+            <a:endParaRPr lang="de-DE"/>
+          </a:p>
+        </p:txBody>
+      </p:sp>
+      <p:sp>
+        <p:nvSpPr>
+          <p:cNvPr id="3" name="Datumsplatzhalter 2"/>
+          <p:cNvSpPr>
+            <a:spLocks noGrp="1"/>
+          </p:cNvSpPr>
+          <p:nvPr>
+            <p:ph type="dt" idx="1"/>
+          </p:nvPr>
+        </p:nvSpPr>
+        <p:spPr>
+          <a:xfrm>
+            <a:off x="3884613" y="0"/>
+            <a:ext cx="2971800" cy="458788"/>
+          </a:xfrm>
+          <a:prstGeom prst="rect">
+            <a:avLst/>
+          </a:prstGeom>
+        </p:spPr>
+        <p:txBody>
+          <a:bodyPr vert="horz" lIns="91440" tIns="45720" rIns="91440" bIns="45720" rtlCol="0"/>
+          <a:lstStyle>
+            <a:lvl1pPr algn="r">
+              <a:defRPr sz="1200"/>
+            </a:lvl1pPr>
+          </a:lstStyle>
+          <a:p>
+            <a:fld id="{C441E65B-CB57-4078-B978-BBC837922C34}" type="datetimeFigureOut">
+              <a:rPr lang="de-DE" smtClean="0"/>
+              <a:t>01.02.2021</a:t>
+            </a:fld>
+            <a:endParaRPr lang="de-DE"/>
+          </a:p>
+        </p:txBody>
+      </p:sp>
+      <p:sp>
+        <p:nvSpPr>
+          <p:cNvPr id="4" name="Folienbildplatzhalter 3"/>
+          <p:cNvSpPr>
+            <a:spLocks noGrp="1" noRot="1" noChangeAspect="1"/>
+          </p:cNvSpPr>
+          <p:nvPr>
+            <p:ph type="sldImg" idx="2"/>
+          </p:nvPr>
+        </p:nvSpPr>
+        <p:spPr>
+          <a:xfrm>
+            <a:off x="685800" y="1143000"/>
+            <a:ext cx="5486400" cy="3086100"/>
+          </a:xfrm>
+          <a:prstGeom prst="rect">
+            <a:avLst/>
+          </a:prstGeom>
+          <a:noFill/>
+          <a:ln w="12700">
+            <a:solidFill>
+              <a:prstClr val="black"/>
+            </a:solidFill>
+          </a:ln>
+        </p:spPr>
+        <p:txBody>
+          <a:bodyPr vert="horz" lIns="91440" tIns="45720" rIns="91440" bIns="45720" rtlCol="0" anchor="ctr"/>
+          <a:lstStyle/>
+          <a:p>
+            <a:endParaRPr lang="de-DE"/>
+          </a:p>
+        </p:txBody>
+      </p:sp>
+      <p:sp>
+        <p:nvSpPr>
+          <p:cNvPr id="5" name="Notizenplatzhalter 4"/>
+          <p:cNvSpPr>
+            <a:spLocks noGrp="1"/>
+          </p:cNvSpPr>
+          <p:nvPr>
+            <p:ph type="body" sz="quarter" idx="3"/>
+          </p:nvPr>
+        </p:nvSpPr>
+        <p:spPr>
+          <a:xfrm>
+            <a:off x="685800" y="4400550"/>
+            <a:ext cx="5486400" cy="3600450"/>
+          </a:xfrm>
+          <a:prstGeom prst="rect">
+            <a:avLst/>
+          </a:prstGeom>
+        </p:spPr>
+        <p:txBody>
+          <a:bodyPr vert="horz" lIns="91440" tIns="45720" rIns="91440" bIns="45720" rtlCol="0"/>
+          <a:lstStyle/>
+          <a:p>
+            <a:pPr lvl="0"/>
+            <a:r>
+              <a:rPr lang="de-DE"/>
+              <a:t>Mastertextformat bearbeiten</a:t>
+            </a:r>
+          </a:p>
+          <a:p>
+            <a:pPr lvl="1"/>
+            <a:r>
+              <a:rPr lang="de-DE"/>
+              <a:t>Zweite Ebene</a:t>
+            </a:r>
+          </a:p>
+          <a:p>
+            <a:pPr lvl="2"/>
+            <a:r>
+              <a:rPr lang="de-DE"/>
+              <a:t>Dritte Ebene</a:t>
+            </a:r>
+          </a:p>
+          <a:p>
+            <a:pPr lvl="3"/>
+            <a:r>
+              <a:rPr lang="de-DE"/>
+              <a:t>Vierte Ebene</a:t>
+            </a:r>
+          </a:p>
+          <a:p>
+            <a:pPr lvl="4"/>
+            <a:r>
+              <a:rPr lang="de-DE"/>
+              <a:t>Fünfte Ebene</a:t>
+            </a:r>
+          </a:p>
+        </p:txBody>
+      </p:sp>
+      <p:sp>
+        <p:nvSpPr>
+          <p:cNvPr id="6" name="Fußzeilenplatzhalter 5"/>
+          <p:cNvSpPr>
+            <a:spLocks noGrp="1"/>
+          </p:cNvSpPr>
+          <p:nvPr>
+            <p:ph type="ftr" sz="quarter" idx="4"/>
+          </p:nvPr>
+        </p:nvSpPr>
+        <p:spPr>
+          <a:xfrm>
+            <a:off x="0" y="8685213"/>
+            <a:ext cx="2971800" cy="458787"/>
+          </a:xfrm>
+          <a:prstGeom prst="rect">
+            <a:avLst/>
+          </a:prstGeom>
+        </p:spPr>
+        <p:txBody>
+          <a:bodyPr vert="horz" lIns="91440" tIns="45720" rIns="91440" bIns="45720" rtlCol="0" anchor="b"/>
+          <a:lstStyle>
+            <a:lvl1pPr algn="l">
+              <a:defRPr sz="1200"/>
+            </a:lvl1pPr>
+          </a:lstStyle>
+          <a:p>
+            <a:endParaRPr lang="de-DE"/>
+          </a:p>
+        </p:txBody>
+      </p:sp>
+      <p:sp>
+        <p:nvSpPr>
+          <p:cNvPr id="7" name="Foliennummernplatzhalter 6"/>
+          <p:cNvSpPr>
+            <a:spLocks noGrp="1"/>
+          </p:cNvSpPr>
+          <p:nvPr>
+            <p:ph type="sldNum" sz="quarter" idx="5"/>
+          </p:nvPr>
+        </p:nvSpPr>
+        <p:spPr>
+          <a:xfrm>
+            <a:off x="3884613" y="8685213"/>
+            <a:ext cx="2971800" cy="458787"/>
+          </a:xfrm>
+          <a:prstGeom prst="rect">
+            <a:avLst/>
+          </a:prstGeom>
+        </p:spPr>
+        <p:txBody>
+          <a:bodyPr vert="horz" lIns="91440" tIns="45720" rIns="91440" bIns="45720" rtlCol="0" anchor="b"/>
+          <a:lstStyle>
+            <a:lvl1pPr algn="r">
+              <a:defRPr sz="1200"/>
+            </a:lvl1pPr>
+          </a:lstStyle>
+          <a:p>
+            <a:fld id="{E42ADC77-0717-4A7E-B1CF-D4A57763E1AA}" type="slidenum">
+              <a:rPr lang="de-DE" smtClean="0"/>
+              <a:t>‹Nr.›</a:t>
+            </a:fld>
+            <a:endParaRPr lang="de-DE"/>
+          </a:p>
+        </p:txBody>
+      </p:sp>
+    </p:spTree>
+    <p:extLst>
+      <p:ext uri="{BB962C8B-B14F-4D97-AF65-F5344CB8AC3E}">
+        <p14:creationId xmlns:p14="http://schemas.microsoft.com/office/powerpoint/2010/main" val="319096409"/>
+      </p:ext>
+    </p:extLst>
+  </p:cSld>
+  <p:clrMap bg1="lt1" tx1="dk1" bg2="lt2" tx2="dk2" accent1="accent1" accent2="accent2" accent3="accent3" accent4="accent4" accent5="accent5" accent6="accent6" hlink="hlink" folHlink="folHlink"/>
+  <p:notesStyle>
+    <a:lvl1pPr marL="0" algn="l" defTabSz="914400" rtl="0" eaLnBrk="1" latinLnBrk="0" hangingPunct="1">
+      <a:defRPr sz="1200" kern="1200">
+        <a:solidFill>
+          <a:schemeClr val="tx1"/>
+        </a:solidFill>
+        <a:latin typeface="+mn-lt"/>
+        <a:ea typeface="+mn-ea"/>
+        <a:cs typeface="+mn-cs"/>
+      </a:defRPr>
+    </a:lvl1pPr>
+    <a:lvl2pPr marL="457200" algn="l" defTabSz="914400" rtl="0" eaLnBrk="1" latinLnBrk="0" hangingPunct="1">
+      <a:defRPr sz="1200" kern="1200">
+        <a:solidFill>
+          <a:schemeClr val="tx1"/>
+        </a:solidFill>
+        <a:latin typeface="+mn-lt"/>
+        <a:ea typeface="+mn-ea"/>
+        <a:cs typeface="+mn-cs"/>
+      </a:defRPr>
+    </a:lvl2pPr>
+    <a:lvl3pPr marL="914400" algn="l" defTabSz="914400" rtl="0" eaLnBrk="1" latinLnBrk="0" hangingPunct="1">
+      <a:defRPr sz="1200" kern="1200">
+        <a:solidFill>
+          <a:schemeClr val="tx1"/>
+        </a:solidFill>
+        <a:latin typeface="+mn-lt"/>
+        <a:ea typeface="+mn-ea"/>
+        <a:cs typeface="+mn-cs"/>
+      </a:defRPr>
+    </a:lvl3pPr>
+    <a:lvl4pPr marL="1371600" algn="l" defTabSz="914400" rtl="0" eaLnBrk="1" latinLnBrk="0" hangingPunct="1">
+      <a:defRPr sz="1200" kern="1200">
+        <a:solidFill>
+          <a:schemeClr val="tx1"/>
+        </a:solidFill>
+        <a:latin typeface="+mn-lt"/>
+        <a:ea typeface="+mn-ea"/>
+        <a:cs typeface="+mn-cs"/>
+      </a:defRPr>
+    </a:lvl4pPr>
+    <a:lvl5pPr marL="1828800" algn="l" defTabSz="914400" rtl="0" eaLnBrk="1" latinLnBrk="0" hangingPunct="1">
+      <a:defRPr sz="1200" kern="1200">
+        <a:solidFill>
+          <a:schemeClr val="tx1"/>
+        </a:solidFill>
+        <a:latin typeface="+mn-lt"/>
+        <a:ea typeface="+mn-ea"/>
+        <a:cs typeface="+mn-cs"/>
+      </a:defRPr>
+    </a:lvl5pPr>
+    <a:lvl6pPr marL="2286000" algn="l" defTabSz="914400" rtl="0" eaLnBrk="1" latinLnBrk="0" hangingPunct="1">
+      <a:defRPr sz="1200" kern="1200">
+        <a:solidFill>
+          <a:schemeClr val="tx1"/>
+        </a:solidFill>
+        <a:latin typeface="+mn-lt"/>
+        <a:ea typeface="+mn-ea"/>
+        <a:cs typeface="+mn-cs"/>
+      </a:defRPr>
+    </a:lvl6pPr>
+    <a:lvl7pPr marL="2743200" algn="l" defTabSz="914400" rtl="0" eaLnBrk="1" latinLnBrk="0" hangingPunct="1">
+      <a:defRPr sz="1200" kern="1200">
+        <a:solidFill>
+          <a:schemeClr val="tx1"/>
+        </a:solidFill>
+        <a:latin typeface="+mn-lt"/>
+        <a:ea typeface="+mn-ea"/>
+        <a:cs typeface="+mn-cs"/>
+      </a:defRPr>
+    </a:lvl7pPr>
+    <a:lvl8pPr marL="3200400" algn="l" defTabSz="914400" rtl="0" eaLnBrk="1" latinLnBrk="0" hangingPunct="1">
+      <a:defRPr sz="1200" kern="1200">
+        <a:solidFill>
+          <a:schemeClr val="tx1"/>
+        </a:solidFill>
+        <a:latin typeface="+mn-lt"/>
+        <a:ea typeface="+mn-ea"/>
+        <a:cs typeface="+mn-cs"/>
+      </a:defRPr>
+    </a:lvl8pPr>
+    <a:lvl9pPr marL="3657600" algn="l" defTabSz="914400" rtl="0" eaLnBrk="1" latinLnBrk="0" hangingPunct="1">
+      <a:defRPr sz="1200" kern="1200">
+        <a:solidFill>
+          <a:schemeClr val="tx1"/>
+        </a:solidFill>
+        <a:latin typeface="+mn-lt"/>
+        <a:ea typeface="+mn-ea"/>
+        <a:cs typeface="+mn-cs"/>
+      </a:defRPr>
+    </a:lvl9pPr>
+  </p:notesStyle>
+</p:notesMaster>
+</file>
+
+<file path=ppt/notesSlides/notesSlide1.xml><?xml version="1.0" encoding="utf-8"?>
+<p:notes xmlns:a="http://schemas.openxmlformats.org/drawingml/2006/main" xmlns:r="http://schemas.openxmlformats.org/officeDocument/2006/relationships" xmlns:p="http://schemas.openxmlformats.org/presentationml/2006/main">
+  <p:cSld>
+    <p:spTree>
+      <p:nvGrpSpPr>
+        <p:cNvPr id="1" name=""/>
+        <p:cNvGrpSpPr/>
+        <p:nvPr/>
+      </p:nvGrpSpPr>
+      <p:grpSpPr>
+        <a:xfrm>
+          <a:off x="0" y="0"/>
+          <a:ext cx="0" cy="0"/>
+          <a:chOff x="0" y="0"/>
+          <a:chExt cx="0" cy="0"/>
+        </a:xfrm>
+      </p:grpSpPr>
+      <p:sp>
+        <p:nvSpPr>
+          <p:cNvPr id="2" name="Folienbildplatzhalter 1"/>
+          <p:cNvSpPr>
+            <a:spLocks noGrp="1" noRot="1" noChangeAspect="1"/>
+          </p:cNvSpPr>
+          <p:nvPr>
+            <p:ph type="sldImg"/>
+          </p:nvPr>
+        </p:nvSpPr>
+        <p:spPr/>
+      </p:sp>
+      <p:sp>
+        <p:nvSpPr>
+          <p:cNvPr id="3" name="Notizenplatzhalter 2"/>
+          <p:cNvSpPr>
+            <a:spLocks noGrp="1"/>
+          </p:cNvSpPr>
+          <p:nvPr>
+            <p:ph type="body" idx="1"/>
+          </p:nvPr>
+        </p:nvSpPr>
+        <p:spPr/>
+        <p:txBody>
+          <a:bodyPr/>
+          <a:lstStyle/>
+          <a:p>
+            <a:pPr marL="0" marR="0" lvl="0" indent="0" algn="l" defTabSz="914400" rtl="0" eaLnBrk="1" fontAlgn="auto" latinLnBrk="0" hangingPunct="1">
+              <a:lnSpc>
+                <a:spcPct val="100000"/>
+              </a:lnSpc>
+              <a:spcBef>
+                <a:spcPts val="0"/>
+              </a:spcBef>
+              <a:spcAft>
+                <a:spcPts val="0"/>
+              </a:spcAft>
+              <a:buClrTx/>
+              <a:buSzTx/>
+              <a:buFontTx/>
+              <a:buNone/>
+              <a:tabLst/>
+              <a:defRPr/>
+            </a:pPr>
+            <a:r>
+              <a:rPr lang="en-GB" sz="1200" dirty="0"/>
+              <a:t>https://thenounproject.com/term/backlog/</a:t>
+            </a:r>
+          </a:p>
+          <a:p>
+            <a:endParaRPr lang="de-DE" dirty="0"/>
+          </a:p>
+        </p:txBody>
+      </p:sp>
+      <p:sp>
+        <p:nvSpPr>
+          <p:cNvPr id="4" name="Foliennummernplatzhalter 3"/>
+          <p:cNvSpPr>
+            <a:spLocks noGrp="1"/>
+          </p:cNvSpPr>
+          <p:nvPr>
+            <p:ph type="sldNum" sz="quarter" idx="5"/>
+          </p:nvPr>
+        </p:nvSpPr>
+        <p:spPr/>
+        <p:txBody>
+          <a:bodyPr/>
+          <a:lstStyle/>
+          <a:p>
+            <a:fld id="{E42ADC77-0717-4A7E-B1CF-D4A57763E1AA}" type="slidenum">
+              <a:rPr lang="de-DE" smtClean="0"/>
+              <a:t>1</a:t>
+            </a:fld>
+            <a:endParaRPr lang="de-DE"/>
+          </a:p>
+        </p:txBody>
+      </p:sp>
+    </p:spTree>
+    <p:extLst>
+      <p:ext uri="{BB962C8B-B14F-4D97-AF65-F5344CB8AC3E}">
+        <p14:creationId xmlns:p14="http://schemas.microsoft.com/office/powerpoint/2010/main" val="3028251445"/>
+      </p:ext>
+    </p:extLst>
+  </p:cSld>
+  <p:clrMapOvr>
+    <a:masterClrMapping/>
+  </p:clrMapOvr>
+</p:notes>
 </file>
 
 <file path=ppt/slideLayouts/slideLayout1.xml><?xml version="1.0" encoding="utf-8"?>
@@ -254,7 +718,7 @@
           <a:p>
             <a:fld id="{70AEA98D-2458-4A8B-B2B0-EE91AC072261}" type="datetimeFigureOut">
               <a:rPr lang="de-DE" smtClean="0"/>
-              <a:t>12.01.2021</a:t>
+              <a:t>01.02.2021</a:t>
             </a:fld>
             <a:endParaRPr lang="de-DE"/>
           </a:p>
@@ -452,7 +916,7 @@
           <a:p>
             <a:fld id="{70AEA98D-2458-4A8B-B2B0-EE91AC072261}" type="datetimeFigureOut">
               <a:rPr lang="de-DE" smtClean="0"/>
-              <a:t>12.01.2021</a:t>
+              <a:t>01.02.2021</a:t>
             </a:fld>
             <a:endParaRPr lang="de-DE"/>
           </a:p>
@@ -660,7 +1124,7 @@
           <a:p>
             <a:fld id="{70AEA98D-2458-4A8B-B2B0-EE91AC072261}" type="datetimeFigureOut">
               <a:rPr lang="de-DE" smtClean="0"/>
-              <a:t>12.01.2021</a:t>
+              <a:t>01.02.2021</a:t>
             </a:fld>
             <a:endParaRPr lang="de-DE"/>
           </a:p>
@@ -858,7 +1322,7 @@
           <a:p>
             <a:fld id="{70AEA98D-2458-4A8B-B2B0-EE91AC072261}" type="datetimeFigureOut">
               <a:rPr lang="de-DE" smtClean="0"/>
-              <a:t>12.01.2021</a:t>
+              <a:t>01.02.2021</a:t>
             </a:fld>
             <a:endParaRPr lang="de-DE"/>
           </a:p>
@@ -1133,7 +1597,7 @@
           <a:p>
             <a:fld id="{70AEA98D-2458-4A8B-B2B0-EE91AC072261}" type="datetimeFigureOut">
               <a:rPr lang="de-DE" smtClean="0"/>
-              <a:t>12.01.2021</a:t>
+              <a:t>01.02.2021</a:t>
             </a:fld>
             <a:endParaRPr lang="de-DE"/>
           </a:p>
@@ -1398,7 +1862,7 @@
           <a:p>
             <a:fld id="{70AEA98D-2458-4A8B-B2B0-EE91AC072261}" type="datetimeFigureOut">
               <a:rPr lang="de-DE" smtClean="0"/>
-              <a:t>12.01.2021</a:t>
+              <a:t>01.02.2021</a:t>
             </a:fld>
             <a:endParaRPr lang="de-DE"/>
           </a:p>
@@ -1810,7 +2274,7 @@
           <a:p>
             <a:fld id="{70AEA98D-2458-4A8B-B2B0-EE91AC072261}" type="datetimeFigureOut">
               <a:rPr lang="de-DE" smtClean="0"/>
-              <a:t>12.01.2021</a:t>
+              <a:t>01.02.2021</a:t>
             </a:fld>
             <a:endParaRPr lang="de-DE"/>
           </a:p>
@@ -1951,7 +2415,7 @@
           <a:p>
             <a:fld id="{70AEA98D-2458-4A8B-B2B0-EE91AC072261}" type="datetimeFigureOut">
               <a:rPr lang="de-DE" smtClean="0"/>
-              <a:t>12.01.2021</a:t>
+              <a:t>01.02.2021</a:t>
             </a:fld>
             <a:endParaRPr lang="de-DE"/>
           </a:p>
@@ -2064,7 +2528,7 @@
           <a:p>
             <a:fld id="{70AEA98D-2458-4A8B-B2B0-EE91AC072261}" type="datetimeFigureOut">
               <a:rPr lang="de-DE" smtClean="0"/>
-              <a:t>12.01.2021</a:t>
+              <a:t>01.02.2021</a:t>
             </a:fld>
             <a:endParaRPr lang="de-DE"/>
           </a:p>
@@ -2375,7 +2839,7 @@
           <a:p>
             <a:fld id="{70AEA98D-2458-4A8B-B2B0-EE91AC072261}" type="datetimeFigureOut">
               <a:rPr lang="de-DE" smtClean="0"/>
-              <a:t>12.01.2021</a:t>
+              <a:t>01.02.2021</a:t>
             </a:fld>
             <a:endParaRPr lang="de-DE"/>
           </a:p>
@@ -2663,7 +3127,7 @@
           <a:p>
             <a:fld id="{70AEA98D-2458-4A8B-B2B0-EE91AC072261}" type="datetimeFigureOut">
               <a:rPr lang="de-DE" smtClean="0"/>
-              <a:t>12.01.2021</a:t>
+              <a:t>01.02.2021</a:t>
             </a:fld>
             <a:endParaRPr lang="de-DE"/>
           </a:p>
@@ -2904,7 +3368,7 @@
           <a:p>
             <a:fld id="{70AEA98D-2458-4A8B-B2B0-EE91AC072261}" type="datetimeFigureOut">
               <a:rPr lang="de-DE" smtClean="0"/>
-              <a:t>12.01.2021</a:t>
+              <a:t>01.02.2021</a:t>
             </a:fld>
             <a:endParaRPr lang="de-DE"/>
           </a:p>
@@ -3335,13 +3799,18 @@
         </p:nvSpPr>
         <p:spPr>
           <a:xfrm>
-            <a:off x="2902998" y="550416"/>
+            <a:off x="4397742" y="550416"/>
             <a:ext cx="461639" cy="369332"/>
           </a:xfrm>
           <a:prstGeom prst="rect">
             <a:avLst/>
           </a:prstGeom>
-          <a:noFill/>
+          <a:solidFill>
+            <a:schemeClr val="accent1">
+              <a:lumMod val="20000"/>
+              <a:lumOff val="80000"/>
+            </a:schemeClr>
+          </a:solidFill>
         </p:spPr>
         <p:txBody>
           <a:bodyPr wrap="square" rtlCol="0">
@@ -3350,7 +3819,7 @@
           <a:lstStyle/>
           <a:p>
             <a:r>
-              <a:rPr lang="en-GB"/>
+              <a:rPr lang="en-GB" dirty="0"/>
               <a:t>RE</a:t>
             </a:r>
           </a:p>
@@ -3370,13 +3839,18 @@
         </p:nvSpPr>
         <p:spPr>
           <a:xfrm>
-            <a:off x="5585535" y="550416"/>
+            <a:off x="8012836" y="550416"/>
             <a:ext cx="690979" cy="369332"/>
           </a:xfrm>
           <a:prstGeom prst="rect">
             <a:avLst/>
           </a:prstGeom>
-          <a:noFill/>
+          <a:solidFill>
+            <a:schemeClr val="accent6">
+              <a:lumMod val="20000"/>
+              <a:lumOff val="80000"/>
+            </a:schemeClr>
+          </a:solidFill>
         </p:spPr>
         <p:txBody>
           <a:bodyPr wrap="square" rtlCol="0">
@@ -3385,7 +3859,7 @@
           <a:lstStyle/>
           <a:p>
             <a:r>
-              <a:rPr lang="en-GB"/>
+              <a:rPr lang="en-GB" dirty="0"/>
               <a:t>EDAP</a:t>
             </a:r>
           </a:p>
@@ -3405,13 +3879,18 @@
         </p:nvSpPr>
         <p:spPr>
           <a:xfrm>
-            <a:off x="2028546" y="1305017"/>
-            <a:ext cx="2210541" cy="738664"/>
+            <a:off x="3539198" y="1039496"/>
+            <a:ext cx="2210541" cy="817245"/>
           </a:xfrm>
-          <a:prstGeom prst="rect">
+          <a:prstGeom prst="roundRect">
             <a:avLst/>
           </a:prstGeom>
-          <a:noFill/>
+          <a:solidFill>
+            <a:schemeClr val="accent1">
+              <a:lumMod val="20000"/>
+              <a:lumOff val="80000"/>
+            </a:schemeClr>
+          </a:solidFill>
           <a:ln>
             <a:solidFill>
               <a:schemeClr val="tx1"/>
@@ -3426,7 +3905,7 @@
           <a:p>
             <a:r>
               <a:rPr lang="en-GB" sz="1400"/>
-              <a:t>Goal: feature measures productivity to motivate more productive workflow</a:t>
+              <a:t>feature measures productivity to motivate more productive workflow</a:t>
             </a:r>
           </a:p>
         </p:txBody>
@@ -3441,14 +3920,16 @@
             </a:extLst>
           </p:cNvPr>
           <p:cNvCxnSpPr>
+            <a:cxnSpLocks/>
             <a:stCxn id="6" idx="2"/>
+            <a:endCxn id="14" idx="0"/>
           </p:cNvCxnSpPr>
           <p:nvPr/>
         </p:nvCxnSpPr>
         <p:spPr>
-          <a:xfrm flipH="1">
-            <a:off x="3133816" y="2043681"/>
-            <a:ext cx="1" cy="681764"/>
+          <a:xfrm>
+            <a:off x="4644469" y="1856741"/>
+            <a:ext cx="940036" cy="697295"/>
           </a:xfrm>
           <a:prstGeom prst="straightConnector1">
             <a:avLst/>
@@ -3486,13 +3967,18 @@
         </p:nvSpPr>
         <p:spPr>
           <a:xfrm>
-            <a:off x="2028546" y="2725445"/>
-            <a:ext cx="2210535" cy="738664"/>
+            <a:off x="2719166" y="2564403"/>
+            <a:ext cx="1891266" cy="578882"/>
           </a:xfrm>
-          <a:prstGeom prst="rect">
+          <a:prstGeom prst="roundRect">
             <a:avLst/>
           </a:prstGeom>
-          <a:noFill/>
+          <a:solidFill>
+            <a:schemeClr val="accent1">
+              <a:lumMod val="20000"/>
+              <a:lumOff val="80000"/>
+            </a:schemeClr>
+          </a:solidFill>
           <a:ln>
             <a:solidFill>
               <a:schemeClr val="tx1"/>
@@ -3506,22 +3992,18 @@
           <a:lstStyle/>
           <a:p>
             <a:r>
-              <a:rPr lang="en-GB" sz="1400" dirty="0" err="1"/>
-              <a:t>Req</a:t>
-            </a:r>
-            <a:r>
-              <a:rPr lang="en-GB" sz="1400" dirty="0"/>
-              <a:t>: feature measures productivity and presents results to manager</a:t>
-            </a:r>
-          </a:p>
-        </p:txBody>
-      </p:sp>
-      <p:sp>
-        <p:nvSpPr>
-          <p:cNvPr id="11" name="Textfeld 10">
-            <a:extLst>
-              <a:ext uri="{FF2B5EF4-FFF2-40B4-BE49-F238E27FC236}">
-                <a16:creationId xmlns:a16="http://schemas.microsoft.com/office/drawing/2014/main" id="{5C343964-40BA-4E76-B516-A1CE8409DAA8}"/>
+              <a:rPr lang="en-GB" sz="1400"/>
+              <a:t>Req: feature measures productivity</a:t>
+            </a:r>
+          </a:p>
+        </p:txBody>
+      </p:sp>
+      <p:sp>
+        <p:nvSpPr>
+          <p:cNvPr id="21" name="Textfeld 20">
+            <a:extLst>
+              <a:ext uri="{FF2B5EF4-FFF2-40B4-BE49-F238E27FC236}">
+                <a16:creationId xmlns:a16="http://schemas.microsoft.com/office/drawing/2014/main" id="{2E35A9CB-3012-4A54-9445-3B4CA4D8EC1C}"/>
               </a:ext>
             </a:extLst>
           </p:cNvPr>
@@ -3530,13 +4012,18 @@
         </p:nvSpPr>
         <p:spPr>
           <a:xfrm>
-            <a:off x="4896775" y="2725445"/>
-            <a:ext cx="2210534" cy="738664"/>
+            <a:off x="4547595" y="4236244"/>
+            <a:ext cx="2073820" cy="817245"/>
           </a:xfrm>
-          <a:prstGeom prst="rect">
+          <a:prstGeom prst="roundRect">
             <a:avLst/>
           </a:prstGeom>
-          <a:noFill/>
+          <a:solidFill>
+            <a:schemeClr val="accent1">
+              <a:lumMod val="20000"/>
+              <a:lumOff val="80000"/>
+            </a:schemeClr>
+          </a:solidFill>
           <a:ln>
             <a:solidFill>
               <a:schemeClr val="tx1"/>
@@ -3551,80 +4038,82 @@
           <a:p>
             <a:r>
               <a:rPr lang="en-GB" sz="1400" dirty="0"/>
-              <a:t>Privacy Concerns, emergent bias: employees are treated unequally</a:t>
-            </a:r>
-          </a:p>
-        </p:txBody>
-      </p:sp>
-      <p:sp>
-        <p:nvSpPr>
-          <p:cNvPr id="13" name="Multiplikationszeichen 12">
-            <a:extLst>
-              <a:ext uri="{FF2B5EF4-FFF2-40B4-BE49-F238E27FC236}">
-                <a16:creationId xmlns:a16="http://schemas.microsoft.com/office/drawing/2014/main" id="{84B991E3-A5CB-4D58-9325-59B792659454}"/>
-              </a:ext>
-            </a:extLst>
-          </p:cNvPr>
-          <p:cNvSpPr/>
+              <a:t>New Solution:</a:t>
+            </a:r>
+          </a:p>
+          <a:p>
+            <a:r>
+              <a:rPr lang="en-GB" sz="1400" dirty="0"/>
+              <a:t>feature presents results only to employee</a:t>
+            </a:r>
+          </a:p>
+        </p:txBody>
+      </p:sp>
+      <p:sp>
+        <p:nvSpPr>
+          <p:cNvPr id="14" name="Textfeld 13">
+            <a:extLst>
+              <a:ext uri="{FF2B5EF4-FFF2-40B4-BE49-F238E27FC236}">
+                <a16:creationId xmlns:a16="http://schemas.microsoft.com/office/drawing/2014/main" id="{29E1A2B4-E9D8-48BB-9AD5-03178B0F1C16}"/>
+              </a:ext>
+            </a:extLst>
+          </p:cNvPr>
+          <p:cNvSpPr txBox="1"/>
           <p:nvPr/>
         </p:nvSpPr>
         <p:spPr>
           <a:xfrm>
-            <a:off x="4261648" y="2482217"/>
-            <a:ext cx="612559" cy="612560"/>
+            <a:off x="4676396" y="2554036"/>
+            <a:ext cx="1816218" cy="578882"/>
           </a:xfrm>
-          <a:prstGeom prst="mathMultiply">
+          <a:prstGeom prst="roundRect">
             <a:avLst/>
           </a:prstGeom>
           <a:solidFill>
-            <a:srgbClr val="FF0000"/>
+            <a:schemeClr val="accent1">
+              <a:lumMod val="20000"/>
+              <a:lumOff val="80000"/>
+            </a:schemeClr>
           </a:solidFill>
+          <a:ln>
+            <a:solidFill>
+              <a:schemeClr val="tx1"/>
+            </a:solidFill>
+          </a:ln>
         </p:spPr>
-        <p:style>
-          <a:lnRef idx="2">
-            <a:schemeClr val="accent1">
-              <a:shade val="50000"/>
-            </a:schemeClr>
-          </a:lnRef>
-          <a:fillRef idx="1">
-            <a:schemeClr val="accent1"/>
-          </a:fillRef>
-          <a:effectRef idx="0">
-            <a:schemeClr val="accent1"/>
-          </a:effectRef>
-          <a:fontRef idx="minor">
-            <a:schemeClr val="lt1"/>
-          </a:fontRef>
-        </p:style>
-        <p:txBody>
-          <a:bodyPr rtlCol="0" anchor="ctr"/>
-          <a:lstStyle/>
-          <a:p>
-            <a:pPr algn="ctr"/>
-            <a:endParaRPr lang="en-GB"/>
+        <p:txBody>
+          <a:bodyPr wrap="square" rtlCol="0">
+            <a:spAutoFit/>
+          </a:bodyPr>
+          <a:lstStyle/>
+          <a:p>
+            <a:r>
+              <a:rPr lang="en-GB" sz="1400"/>
+              <a:t>Req: feature presents results to manager</a:t>
+            </a:r>
           </a:p>
         </p:txBody>
       </p:sp>
       <p:cxnSp>
         <p:nvCxnSpPr>
-          <p:cNvPr id="15" name="Gerade Verbindung mit Pfeil 14">
-            <a:extLst>
-              <a:ext uri="{FF2B5EF4-FFF2-40B4-BE49-F238E27FC236}">
-                <a16:creationId xmlns:a16="http://schemas.microsoft.com/office/drawing/2014/main" id="{9219D700-1E61-46DD-A95B-9799A044B8D8}"/>
+          <p:cNvPr id="7" name="Gerade Verbindung mit Pfeil 6">
+            <a:extLst>
+              <a:ext uri="{FF2B5EF4-FFF2-40B4-BE49-F238E27FC236}">
+                <a16:creationId xmlns:a16="http://schemas.microsoft.com/office/drawing/2014/main" id="{E756170D-3B51-4EAE-855D-81F2CABE9678}"/>
               </a:ext>
             </a:extLst>
           </p:cNvPr>
           <p:cNvCxnSpPr>
             <a:cxnSpLocks/>
-            <a:stCxn id="11" idx="1"/>
-            <a:endCxn id="9" idx="3"/>
+            <a:stCxn id="6" idx="2"/>
+            <a:endCxn id="9" idx="0"/>
           </p:cNvCxnSpPr>
           <p:nvPr/>
         </p:nvCxnSpPr>
         <p:spPr>
           <a:xfrm flipH="1">
-            <a:off x="4239081" y="3094777"/>
-            <a:ext cx="657694" cy="0"/>
+            <a:off x="3664799" y="1856741"/>
+            <a:ext cx="979670" cy="707662"/>
           </a:xfrm>
           <a:prstGeom prst="straightConnector1">
             <a:avLst/>
@@ -3648,12 +4137,48 @@
           </a:fontRef>
         </p:style>
       </p:cxnSp>
-      <p:sp>
-        <p:nvSpPr>
-          <p:cNvPr id="16" name="Textfeld 15">
-            <a:extLst>
-              <a:ext uri="{FF2B5EF4-FFF2-40B4-BE49-F238E27FC236}">
-                <a16:creationId xmlns:a16="http://schemas.microsoft.com/office/drawing/2014/main" id="{65D50A68-8101-47B4-A014-E53259702B03}"/>
+      <p:pic>
+        <p:nvPicPr>
+          <p:cNvPr id="10" name="Grafik 9">
+            <a:extLst>
+              <a:ext uri="{FF2B5EF4-FFF2-40B4-BE49-F238E27FC236}">
+                <a16:creationId xmlns:a16="http://schemas.microsoft.com/office/drawing/2014/main" id="{6F410B63-77CF-44C4-A5BA-788AAEDE61E2}"/>
+              </a:ext>
+            </a:extLst>
+          </p:cNvPr>
+          <p:cNvPicPr>
+            <a:picLocks noChangeAspect="1"/>
+          </p:cNvPicPr>
+          <p:nvPr/>
+        </p:nvPicPr>
+        <p:blipFill>
+          <a:blip r:embed="rId3">
+            <a:extLst>
+              <a:ext uri="{28A0092B-C50C-407E-A947-70E740481C1C}">
+                <a14:useLocalDpi xmlns:a14="http://schemas.microsoft.com/office/drawing/2010/main" val="0"/>
+              </a:ext>
+            </a:extLst>
+          </a:blip>
+          <a:stretch>
+            <a:fillRect/>
+          </a:stretch>
+        </p:blipFill>
+        <p:spPr>
+          <a:xfrm>
+            <a:off x="1075554" y="1304714"/>
+            <a:ext cx="1163161" cy="1163161"/>
+          </a:xfrm>
+          <a:prstGeom prst="rect">
+            <a:avLst/>
+          </a:prstGeom>
+        </p:spPr>
+      </p:pic>
+      <p:sp>
+        <p:nvSpPr>
+          <p:cNvPr id="12" name="Textfeld 11">
+            <a:extLst>
+              <a:ext uri="{FF2B5EF4-FFF2-40B4-BE49-F238E27FC236}">
+                <a16:creationId xmlns:a16="http://schemas.microsoft.com/office/drawing/2014/main" id="{A2C8E96C-4152-45F5-9ED8-4D7B60DE682B}"/>
               </a:ext>
             </a:extLst>
           </p:cNvPr>
@@ -3662,51 +4187,431 @@
         </p:nvSpPr>
         <p:spPr>
           <a:xfrm>
-            <a:off x="4896775" y="3972474"/>
-            <a:ext cx="2210534" cy="523220"/>
+            <a:off x="1269848" y="550416"/>
+            <a:ext cx="774571" cy="369332"/>
+          </a:xfrm>
+          <a:prstGeom prst="rect">
+            <a:avLst/>
+          </a:prstGeom>
+          <a:solidFill>
+            <a:schemeClr val="bg2">
+              <a:lumMod val="90000"/>
+            </a:schemeClr>
+          </a:solidFill>
+        </p:spPr>
+        <p:txBody>
+          <a:bodyPr wrap="none" rtlCol="0">
+            <a:spAutoFit/>
+          </a:bodyPr>
+          <a:lstStyle/>
+          <a:p>
+            <a:r>
+              <a:rPr lang="en-GB"/>
+              <a:t>Scrum</a:t>
+            </a:r>
+          </a:p>
+        </p:txBody>
+      </p:sp>
+      <p:cxnSp>
+        <p:nvCxnSpPr>
+          <p:cNvPr id="17" name="Gerade Verbindung mit Pfeil 16">
+            <a:extLst>
+              <a:ext uri="{FF2B5EF4-FFF2-40B4-BE49-F238E27FC236}">
+                <a16:creationId xmlns:a16="http://schemas.microsoft.com/office/drawing/2014/main" id="{4F388EA7-6F38-48C4-A77A-878CB48E8081}"/>
+              </a:ext>
+            </a:extLst>
+          </p:cNvPr>
+          <p:cNvCxnSpPr>
+            <a:cxnSpLocks/>
+            <a:endCxn id="6" idx="1"/>
+          </p:cNvCxnSpPr>
+          <p:nvPr/>
+        </p:nvCxnSpPr>
+        <p:spPr>
+          <a:xfrm>
+            <a:off x="2276856" y="1442968"/>
+            <a:ext cx="1262342" cy="5151"/>
+          </a:xfrm>
+          <a:prstGeom prst="straightConnector1">
+            <a:avLst/>
+          </a:prstGeom>
+          <a:ln>
+            <a:tailEnd type="triangle"/>
+          </a:ln>
+        </p:spPr>
+        <p:style>
+          <a:lnRef idx="1">
+            <a:schemeClr val="dk1"/>
+          </a:lnRef>
+          <a:fillRef idx="0">
+            <a:schemeClr val="dk1"/>
+          </a:fillRef>
+          <a:effectRef idx="0">
+            <a:schemeClr val="dk1"/>
+          </a:effectRef>
+          <a:fontRef idx="minor">
+            <a:schemeClr val="tx1"/>
+          </a:fontRef>
+        </p:style>
+      </p:cxnSp>
+      <p:sp>
+        <p:nvSpPr>
+          <p:cNvPr id="33" name="Textfeld 32">
+            <a:extLst>
+              <a:ext uri="{FF2B5EF4-FFF2-40B4-BE49-F238E27FC236}">
+                <a16:creationId xmlns:a16="http://schemas.microsoft.com/office/drawing/2014/main" id="{D86C1E39-4E02-4402-8DD0-45AA4F9994E3}"/>
+              </a:ext>
+            </a:extLst>
+          </p:cNvPr>
+          <p:cNvSpPr txBox="1"/>
+          <p:nvPr/>
+        </p:nvSpPr>
+        <p:spPr>
+          <a:xfrm>
+            <a:off x="2297764" y="1178009"/>
+            <a:ext cx="1159485" cy="276999"/>
           </a:xfrm>
           <a:prstGeom prst="rect">
             <a:avLst/>
           </a:prstGeom>
           <a:noFill/>
-          <a:ln>
-            <a:solidFill>
-              <a:schemeClr val="tx1"/>
-            </a:solidFill>
-          </a:ln>
         </p:spPr>
         <p:txBody>
-          <a:bodyPr wrap="square" rtlCol="0">
+          <a:bodyPr wrap="none" rtlCol="0">
             <a:spAutoFit/>
           </a:bodyPr>
           <a:lstStyle/>
           <a:p>
             <a:r>
-              <a:rPr lang="en-GB" sz="1400"/>
-              <a:t>Solution: productivity only shown to employee</a:t>
-            </a:r>
+              <a:rPr lang="en-GB" sz="1200"/>
+              <a:t>select for sprint</a:t>
+            </a:r>
+          </a:p>
+        </p:txBody>
+      </p:sp>
+      <p:sp>
+        <p:nvSpPr>
+          <p:cNvPr id="34" name="Textfeld 33">
+            <a:extLst>
+              <a:ext uri="{FF2B5EF4-FFF2-40B4-BE49-F238E27FC236}">
+                <a16:creationId xmlns:a16="http://schemas.microsoft.com/office/drawing/2014/main" id="{1E233036-D55F-4364-AC12-33BC7959699C}"/>
+              </a:ext>
+            </a:extLst>
+          </p:cNvPr>
+          <p:cNvSpPr txBox="1"/>
+          <p:nvPr/>
+        </p:nvSpPr>
+        <p:spPr>
+          <a:xfrm>
+            <a:off x="5312664" y="2020824"/>
+            <a:ext cx="549959" cy="276999"/>
+          </a:xfrm>
+          <a:prstGeom prst="rect">
+            <a:avLst/>
+          </a:prstGeom>
+          <a:noFill/>
+        </p:spPr>
+        <p:txBody>
+          <a:bodyPr wrap="none" rtlCol="0">
+            <a:spAutoFit/>
+          </a:bodyPr>
+          <a:lstStyle/>
+          <a:p>
+            <a:r>
+              <a:rPr lang="en-GB" sz="1200"/>
+              <a:t>refine</a:t>
+            </a:r>
+          </a:p>
+        </p:txBody>
+      </p:sp>
+      <p:sp>
+        <p:nvSpPr>
+          <p:cNvPr id="38" name="Textfeld 37">
+            <a:extLst>
+              <a:ext uri="{FF2B5EF4-FFF2-40B4-BE49-F238E27FC236}">
+                <a16:creationId xmlns:a16="http://schemas.microsoft.com/office/drawing/2014/main" id="{6F8A1B9A-1DA2-4AE8-AB35-1BDBC2D85891}"/>
+              </a:ext>
+            </a:extLst>
+          </p:cNvPr>
+          <p:cNvSpPr txBox="1"/>
+          <p:nvPr/>
+        </p:nvSpPr>
+        <p:spPr>
+          <a:xfrm>
+            <a:off x="3422719" y="2006450"/>
+            <a:ext cx="549959" cy="276999"/>
+          </a:xfrm>
+          <a:prstGeom prst="rect">
+            <a:avLst/>
+          </a:prstGeom>
+          <a:noFill/>
+        </p:spPr>
+        <p:txBody>
+          <a:bodyPr wrap="none" rtlCol="0">
+            <a:spAutoFit/>
+          </a:bodyPr>
+          <a:lstStyle/>
+          <a:p>
+            <a:r>
+              <a:rPr lang="en-GB" sz="1200"/>
+              <a:t>refine</a:t>
+            </a:r>
+          </a:p>
+        </p:txBody>
+      </p:sp>
+      <p:sp>
+        <p:nvSpPr>
+          <p:cNvPr id="48" name="Rechteck: abgerundete Ecken 47">
+            <a:extLst>
+              <a:ext uri="{FF2B5EF4-FFF2-40B4-BE49-F238E27FC236}">
+                <a16:creationId xmlns:a16="http://schemas.microsoft.com/office/drawing/2014/main" id="{7B8B91C3-1121-4C84-98ED-AB89D435662D}"/>
+              </a:ext>
+            </a:extLst>
+          </p:cNvPr>
+          <p:cNvSpPr/>
+          <p:nvPr/>
+        </p:nvSpPr>
+        <p:spPr>
+          <a:xfrm>
+            <a:off x="7244178" y="1342528"/>
+            <a:ext cx="2539013" cy="3001897"/>
+          </a:xfrm>
+          <a:prstGeom prst="roundRect">
+            <a:avLst>
+              <a:gd name="adj" fmla="val 7576"/>
+            </a:avLst>
+          </a:prstGeom>
+          <a:solidFill>
+            <a:schemeClr val="accent6">
+              <a:lumMod val="20000"/>
+              <a:lumOff val="80000"/>
+            </a:schemeClr>
+          </a:solidFill>
+        </p:spPr>
+        <p:style>
+          <a:lnRef idx="2">
+            <a:schemeClr val="dk1">
+              <a:shade val="50000"/>
+            </a:schemeClr>
+          </a:lnRef>
+          <a:fillRef idx="1">
+            <a:schemeClr val="dk1"/>
+          </a:fillRef>
+          <a:effectRef idx="0">
+            <a:schemeClr val="dk1"/>
+          </a:effectRef>
+          <a:fontRef idx="minor">
+            <a:schemeClr val="lt1"/>
+          </a:fontRef>
+        </p:style>
+        <p:txBody>
+          <a:bodyPr rtlCol="0" anchor="ctr"/>
+          <a:lstStyle/>
+          <a:p>
+            <a:pPr algn="ctr"/>
+            <a:endParaRPr lang="en-GB"/>
+          </a:p>
+        </p:txBody>
+      </p:sp>
+      <p:sp>
+        <p:nvSpPr>
+          <p:cNvPr id="49" name="Rechteck: abgerundete Ecken 48">
+            <a:extLst>
+              <a:ext uri="{FF2B5EF4-FFF2-40B4-BE49-F238E27FC236}">
+                <a16:creationId xmlns:a16="http://schemas.microsoft.com/office/drawing/2014/main" id="{2BF1356D-7EAA-4340-8DAF-4DADD292DA99}"/>
+              </a:ext>
+            </a:extLst>
+          </p:cNvPr>
+          <p:cNvSpPr/>
+          <p:nvPr/>
+        </p:nvSpPr>
+        <p:spPr>
+          <a:xfrm>
+            <a:off x="7350710" y="1464699"/>
+            <a:ext cx="2325950" cy="1003176"/>
+          </a:xfrm>
+          <a:prstGeom prst="roundRect">
+            <a:avLst/>
+          </a:prstGeom>
+          <a:noFill/>
+        </p:spPr>
+        <p:style>
+          <a:lnRef idx="2">
+            <a:schemeClr val="dk1">
+              <a:shade val="50000"/>
+            </a:schemeClr>
+          </a:lnRef>
+          <a:fillRef idx="1">
+            <a:schemeClr val="dk1"/>
+          </a:fillRef>
+          <a:effectRef idx="0">
+            <a:schemeClr val="dk1"/>
+          </a:effectRef>
+          <a:fontRef idx="minor">
+            <a:schemeClr val="lt1"/>
+          </a:fontRef>
+        </p:style>
+        <p:txBody>
+          <a:bodyPr rtlCol="0" anchor="ctr"/>
+          <a:lstStyle/>
+          <a:p>
+            <a:r>
+              <a:rPr lang="en-GB" sz="1400">
+                <a:solidFill>
+                  <a:schemeClr val="tx1"/>
+                </a:solidFill>
+              </a:rPr>
+              <a:t>Checklist:</a:t>
+            </a:r>
+          </a:p>
+          <a:p>
+            <a:r>
+              <a:rPr lang="en-GB" sz="1400">
+                <a:solidFill>
+                  <a:schemeClr val="tx1"/>
+                </a:solidFill>
+              </a:rPr>
+              <a:t>Use of personal data</a:t>
+            </a:r>
+          </a:p>
+          <a:p>
+            <a:pPr marL="285750" indent="-285750">
+              <a:buFont typeface="Wingdings" panose="05000000000000000000" pitchFamily="2" charset="2"/>
+              <a:buChar char="à"/>
+            </a:pPr>
+            <a:r>
+              <a:rPr lang="en-GB" sz="1400">
+                <a:solidFill>
+                  <a:schemeClr val="tx1"/>
+                </a:solidFill>
+                <a:sym typeface="Wingdings" panose="05000000000000000000" pitchFamily="2" charset="2"/>
+              </a:rPr>
+              <a:t>Privacy Concerns</a:t>
+            </a:r>
+          </a:p>
+          <a:p>
+            <a:pPr marL="285750" indent="-285750">
+              <a:buFont typeface="Wingdings" panose="05000000000000000000" pitchFamily="2" charset="2"/>
+              <a:buChar char="à"/>
+            </a:pPr>
+            <a:r>
+              <a:rPr lang="en-GB" sz="1400">
+                <a:solidFill>
+                  <a:schemeClr val="tx1"/>
+                </a:solidFill>
+                <a:sym typeface="Wingdings" panose="05000000000000000000" pitchFamily="2" charset="2"/>
+              </a:rPr>
+              <a:t>Discrimination possible</a:t>
+            </a:r>
+            <a:endParaRPr lang="en-GB" sz="1400">
+              <a:solidFill>
+                <a:schemeClr val="tx1"/>
+              </a:solidFill>
+            </a:endParaRPr>
+          </a:p>
+        </p:txBody>
+      </p:sp>
+      <p:sp>
+        <p:nvSpPr>
+          <p:cNvPr id="50" name="Rechteck: abgerundete Ecken 49">
+            <a:extLst>
+              <a:ext uri="{FF2B5EF4-FFF2-40B4-BE49-F238E27FC236}">
+                <a16:creationId xmlns:a16="http://schemas.microsoft.com/office/drawing/2014/main" id="{3FE4D69B-1526-4844-8B01-52461DD41620}"/>
+              </a:ext>
+            </a:extLst>
+          </p:cNvPr>
+          <p:cNvSpPr/>
+          <p:nvPr/>
+        </p:nvSpPr>
+        <p:spPr>
+          <a:xfrm>
+            <a:off x="7346270" y="2568487"/>
+            <a:ext cx="2334828" cy="1667757"/>
+          </a:xfrm>
+          <a:prstGeom prst="roundRect">
+            <a:avLst>
+              <a:gd name="adj" fmla="val 7236"/>
+            </a:avLst>
+          </a:prstGeom>
+          <a:noFill/>
+        </p:spPr>
+        <p:style>
+          <a:lnRef idx="2">
+            <a:schemeClr val="dk1">
+              <a:shade val="50000"/>
+            </a:schemeClr>
+          </a:lnRef>
+          <a:fillRef idx="1">
+            <a:schemeClr val="dk1"/>
+          </a:fillRef>
+          <a:effectRef idx="0">
+            <a:schemeClr val="dk1"/>
+          </a:effectRef>
+          <a:fontRef idx="minor">
+            <a:schemeClr val="lt1"/>
+          </a:fontRef>
+        </p:style>
+        <p:txBody>
+          <a:bodyPr rtlCol="0" anchor="ctr"/>
+          <a:lstStyle/>
+          <a:p>
+            <a:r>
+              <a:rPr lang="en-GB" sz="1400" dirty="0">
+                <a:solidFill>
+                  <a:schemeClr val="tx1"/>
+                </a:solidFill>
+              </a:rPr>
+              <a:t>EDAP:</a:t>
+            </a:r>
+          </a:p>
+          <a:p>
+            <a:r>
+              <a:rPr lang="en-GB" sz="1400" dirty="0">
+                <a:solidFill>
+                  <a:schemeClr val="tx1"/>
+                </a:solidFill>
+              </a:rPr>
+              <a:t>Privacy Concerns, Discrimination based on productivity, impact on workplace environment</a:t>
+            </a:r>
+          </a:p>
+          <a:p>
+            <a:r>
+              <a:rPr lang="en-GB" sz="1400" dirty="0">
+                <a:solidFill>
+                  <a:schemeClr val="tx1"/>
+                </a:solidFill>
+                <a:sym typeface="Wingdings" panose="05000000000000000000" pitchFamily="2" charset="2"/>
+              </a:rPr>
+              <a:t> Feature should not be implemented</a:t>
+            </a:r>
+            <a:endParaRPr lang="en-GB" sz="1400" dirty="0">
+              <a:solidFill>
+                <a:schemeClr val="tx1"/>
+              </a:solidFill>
+            </a:endParaRPr>
           </a:p>
         </p:txBody>
       </p:sp>
       <p:cxnSp>
         <p:nvCxnSpPr>
-          <p:cNvPr id="18" name="Gerade Verbindung mit Pfeil 17">
-            <a:extLst>
-              <a:ext uri="{FF2B5EF4-FFF2-40B4-BE49-F238E27FC236}">
-                <a16:creationId xmlns:a16="http://schemas.microsoft.com/office/drawing/2014/main" id="{62452668-2C39-4A5D-B037-1A7C6BA77A90}"/>
+          <p:cNvPr id="52" name="Gerade Verbindung mit Pfeil 51">
+            <a:extLst>
+              <a:ext uri="{FF2B5EF4-FFF2-40B4-BE49-F238E27FC236}">
+                <a16:creationId xmlns:a16="http://schemas.microsoft.com/office/drawing/2014/main" id="{709FAE88-DC92-4F48-AC7E-607F3164EC85}"/>
               </a:ext>
             </a:extLst>
           </p:cNvPr>
           <p:cNvCxnSpPr>
-            <a:stCxn id="11" idx="2"/>
-            <a:endCxn id="16" idx="0"/>
+            <a:cxnSpLocks/>
+            <a:stCxn id="14" idx="3"/>
+            <a:endCxn id="48" idx="1"/>
           </p:cNvCxnSpPr>
           <p:nvPr/>
         </p:nvCxnSpPr>
         <p:spPr>
           <a:xfrm>
-            <a:off x="6002042" y="3464109"/>
-            <a:ext cx="0" cy="508365"/>
+            <a:off x="6492614" y="2843477"/>
+            <a:ext cx="751564" cy="0"/>
           </a:xfrm>
           <a:prstGeom prst="straightConnector1">
             <a:avLst/>
@@ -3732,26 +4637,25 @@
       </p:cxnSp>
       <p:cxnSp>
         <p:nvCxnSpPr>
-          <p:cNvPr id="20" name="Gerade Verbindung mit Pfeil 19">
-            <a:extLst>
-              <a:ext uri="{FF2B5EF4-FFF2-40B4-BE49-F238E27FC236}">
-                <a16:creationId xmlns:a16="http://schemas.microsoft.com/office/drawing/2014/main" id="{C7ED9880-6B73-4CCD-A8FC-E570EC5DBD99}"/>
+          <p:cNvPr id="57" name="Verbinder: gewinkelt 56">
+            <a:extLst>
+              <a:ext uri="{FF2B5EF4-FFF2-40B4-BE49-F238E27FC236}">
+                <a16:creationId xmlns:a16="http://schemas.microsoft.com/office/drawing/2014/main" id="{EFE3E228-4762-46EB-A13F-3A7B28028509}"/>
               </a:ext>
             </a:extLst>
           </p:cNvPr>
           <p:cNvCxnSpPr>
-            <a:cxnSpLocks/>
-            <a:stCxn id="16" idx="1"/>
+            <a:stCxn id="48" idx="2"/>
             <a:endCxn id="21" idx="3"/>
           </p:cNvCxnSpPr>
           <p:nvPr/>
         </p:nvCxnSpPr>
         <p:spPr>
-          <a:xfrm flipH="1">
-            <a:off x="4239081" y="4234084"/>
-            <a:ext cx="657694" cy="907"/>
+          <a:xfrm rot="5400000">
+            <a:off x="7417329" y="3548511"/>
+            <a:ext cx="300442" cy="1892270"/>
           </a:xfrm>
-          <a:prstGeom prst="straightConnector1">
+          <a:prstGeom prst="bentConnector2">
             <a:avLst/>
           </a:prstGeom>
           <a:ln>
@@ -3775,10 +4679,10 @@
       </p:cxnSp>
       <p:sp>
         <p:nvSpPr>
-          <p:cNvPr id="21" name="Textfeld 20">
-            <a:extLst>
-              <a:ext uri="{FF2B5EF4-FFF2-40B4-BE49-F238E27FC236}">
-                <a16:creationId xmlns:a16="http://schemas.microsoft.com/office/drawing/2014/main" id="{2E35A9CB-3012-4A54-9445-3B4CA4D8EC1C}"/>
+          <p:cNvPr id="61" name="Textfeld 60">
+            <a:extLst>
+              <a:ext uri="{FF2B5EF4-FFF2-40B4-BE49-F238E27FC236}">
+                <a16:creationId xmlns:a16="http://schemas.microsoft.com/office/drawing/2014/main" id="{35D320DC-130F-4CFC-9729-28AB1A3D2C07}"/>
               </a:ext>
             </a:extLst>
           </p:cNvPr>
@@ -3787,18 +4691,13 @@
         </p:nvSpPr>
         <p:spPr>
           <a:xfrm>
-            <a:off x="2028547" y="3865659"/>
-            <a:ext cx="2210534" cy="738664"/>
+            <a:off x="1146003" y="2425903"/>
+            <a:ext cx="665054" cy="276999"/>
           </a:xfrm>
           <a:prstGeom prst="rect">
             <a:avLst/>
           </a:prstGeom>
           <a:noFill/>
-          <a:ln>
-            <a:solidFill>
-              <a:schemeClr val="tx1"/>
-            </a:solidFill>
-          </a:ln>
         </p:spPr>
         <p:txBody>
           <a:bodyPr wrap="square" rtlCol="0">
@@ -3807,8 +4706,8 @@
           <a:lstStyle/>
           <a:p>
             <a:r>
-              <a:rPr lang="en-GB" sz="1400"/>
-              <a:t>Req: feature measures productivity and presents results to employee</a:t>
+              <a:rPr lang="en-GB" sz="1200"/>
+              <a:t>backlog</a:t>
             </a:r>
           </a:p>
         </p:txBody>
@@ -4119,4 +5018,299 @@
     </a:ext>
   </a:extLst>
 </a:theme>
+</file>
+
+<file path=ppt/theme/theme2.xml><?xml version="1.0" encoding="utf-8"?>
+<a:theme xmlns:a="http://schemas.openxmlformats.org/drawingml/2006/main" name="Office">
+  <a:themeElements>
+    <a:clrScheme name="Office">
+      <a:dk1>
+        <a:sysClr val="windowText" lastClr="000000"/>
+      </a:dk1>
+      <a:lt1>
+        <a:sysClr val="window" lastClr="FFFFFF"/>
+      </a:lt1>
+      <a:dk2>
+        <a:srgbClr val="44546A"/>
+      </a:dk2>
+      <a:lt2>
+        <a:srgbClr val="E7E6E6"/>
+      </a:lt2>
+      <a:accent1>
+        <a:srgbClr val="4472C4"/>
+      </a:accent1>
+      <a:accent2>
+        <a:srgbClr val="ED7D31"/>
+      </a:accent2>
+      <a:accent3>
+        <a:srgbClr val="A5A5A5"/>
+      </a:accent3>
+      <a:accent4>
+        <a:srgbClr val="FFC000"/>
+      </a:accent4>
+      <a:accent5>
+        <a:srgbClr val="5B9BD5"/>
+      </a:accent5>
+      <a:accent6>
+        <a:srgbClr val="70AD47"/>
+      </a:accent6>
+      <a:hlink>
+        <a:srgbClr val="0563C1"/>
+      </a:hlink>
+      <a:folHlink>
+        <a:srgbClr val="954F72"/>
+      </a:folHlink>
+    </a:clrScheme>
+    <a:fontScheme name="Office">
+      <a:majorFont>
+        <a:latin typeface="Calibri Light" panose="020F0302020204030204"/>
+        <a:ea typeface=""/>
+        <a:cs typeface=""/>
+        <a:font script="Jpan" typeface="游ゴシック Light"/>
+        <a:font script="Hang" typeface="맑은 고딕"/>
+        <a:font script="Hans" typeface="等线 Light"/>
+        <a:font script="Hant" typeface="新細明體"/>
+        <a:font script="Arab" typeface="Times New Roman"/>
+        <a:font script="Hebr" typeface="Times New Roman"/>
+        <a:font script="Thai" typeface="Angsana New"/>
+        <a:font script="Ethi" typeface="Nyala"/>
+        <a:font script="Beng" typeface="Vrinda"/>
+        <a:font script="Gujr" typeface="Shruti"/>
+        <a:font script="Khmr" typeface="MoolBoran"/>
+        <a:font script="Knda" typeface="Tunga"/>
+        <a:font script="Guru" typeface="Raavi"/>
+        <a:font script="Cans" typeface="Euphemia"/>
+        <a:font script="Cher" typeface="Plantagenet Cherokee"/>
+        <a:font script="Yiii" typeface="Microsoft Yi Baiti"/>
+        <a:font script="Tibt" typeface="Microsoft Himalaya"/>
+        <a:font script="Thaa" typeface="MV Boli"/>
+        <a:font script="Deva" typeface="Mangal"/>
+        <a:font script="Telu" typeface="Gautami"/>
+        <a:font script="Taml" typeface="Latha"/>
+        <a:font script="Syrc" typeface="Estrangelo Edessa"/>
+        <a:font script="Orya" typeface="Kalinga"/>
+        <a:font script="Mlym" typeface="Kartika"/>
+        <a:font script="Laoo" typeface="DokChampa"/>
+        <a:font script="Sinh" typeface="Iskoola Pota"/>
+        <a:font script="Mong" typeface="Mongolian Baiti"/>
+        <a:font script="Viet" typeface="Times New Roman"/>
+        <a:font script="Uigh" typeface="Microsoft Uighur"/>
+        <a:font script="Geor" typeface="Sylfaen"/>
+        <a:font script="Armn" typeface="Arial"/>
+        <a:font script="Bugi" typeface="Leelawadee UI"/>
+        <a:font script="Bopo" typeface="Microsoft JhengHei"/>
+        <a:font script="Java" typeface="Javanese Text"/>
+        <a:font script="Lisu" typeface="Segoe UI"/>
+        <a:font script="Mymr" typeface="Myanmar Text"/>
+        <a:font script="Nkoo" typeface="Ebrima"/>
+        <a:font script="Olck" typeface="Nirmala UI"/>
+        <a:font script="Osma" typeface="Ebrima"/>
+        <a:font script="Phag" typeface="Phagspa"/>
+        <a:font script="Syrn" typeface="Estrangelo Edessa"/>
+        <a:font script="Syrj" typeface="Estrangelo Edessa"/>
+        <a:font script="Syre" typeface="Estrangelo Edessa"/>
+        <a:font script="Sora" typeface="Nirmala UI"/>
+        <a:font script="Tale" typeface="Microsoft Tai Le"/>
+        <a:font script="Talu" typeface="Microsoft New Tai Lue"/>
+        <a:font script="Tfng" typeface="Ebrima"/>
+      </a:majorFont>
+      <a:minorFont>
+        <a:latin typeface="Calibri" panose="020F0502020204030204"/>
+        <a:ea typeface=""/>
+        <a:cs typeface=""/>
+        <a:font script="Jpan" typeface="游ゴシック"/>
+        <a:font script="Hang" typeface="맑은 고딕"/>
+        <a:font script="Hans" typeface="等线"/>
+        <a:font script="Hant" typeface="新細明體"/>
+        <a:font script="Arab" typeface="Arial"/>
+        <a:font script="Hebr" typeface="Arial"/>
+        <a:font script="Thai" typeface="Cordia New"/>
+        <a:font script="Ethi" typeface="Nyala"/>
+        <a:font script="Beng" typeface="Vrinda"/>
+        <a:font script="Gujr" typeface="Shruti"/>
+        <a:font script="Khmr" typeface="DaunPenh"/>
+        <a:font script="Knda" typeface="Tunga"/>
+        <a:font script="Guru" typeface="Raavi"/>
+        <a:font script="Cans" typeface="Euphemia"/>
+        <a:font script="Cher" typeface="Plantagenet Cherokee"/>
+        <a:font script="Yiii" typeface="Microsoft Yi Baiti"/>
+        <a:font script="Tibt" typeface="Microsoft Himalaya"/>
+        <a:font script="Thaa" typeface="MV Boli"/>
+        <a:font script="Deva" typeface="Mangal"/>
+        <a:font script="Telu" typeface="Gautami"/>
+        <a:font script="Taml" typeface="Latha"/>
+        <a:font script="Syrc" typeface="Estrangelo Edessa"/>
+        <a:font script="Orya" typeface="Kalinga"/>
+        <a:font script="Mlym" typeface="Kartika"/>
+        <a:font script="Laoo" typeface="DokChampa"/>
+        <a:font script="Sinh" typeface="Iskoola Pota"/>
+        <a:font script="Mong" typeface="Mongolian Baiti"/>
+        <a:font script="Viet" typeface="Arial"/>
+        <a:font script="Uigh" typeface="Microsoft Uighur"/>
+        <a:font script="Geor" typeface="Sylfaen"/>
+        <a:font script="Armn" typeface="Arial"/>
+        <a:font script="Bugi" typeface="Leelawadee UI"/>
+        <a:font script="Bopo" typeface="Microsoft JhengHei"/>
+        <a:font script="Java" typeface="Javanese Text"/>
+        <a:font script="Lisu" typeface="Segoe UI"/>
+        <a:font script="Mymr" typeface="Myanmar Text"/>
+        <a:font script="Nkoo" typeface="Ebrima"/>
+        <a:font script="Olck" typeface="Nirmala UI"/>
+        <a:font script="Osma" typeface="Ebrima"/>
+        <a:font script="Phag" typeface="Phagspa"/>
+        <a:font script="Syrn" typeface="Estrangelo Edessa"/>
+        <a:font script="Syrj" typeface="Estrangelo Edessa"/>
+        <a:font script="Syre" typeface="Estrangelo Edessa"/>
+        <a:font script="Sora" typeface="Nirmala UI"/>
+        <a:font script="Tale" typeface="Microsoft Tai Le"/>
+        <a:font script="Talu" typeface="Microsoft New Tai Lue"/>
+        <a:font script="Tfng" typeface="Ebrima"/>
+      </a:minorFont>
+    </a:fontScheme>
+    <a:fmtScheme name="Office">
+      <a:fillStyleLst>
+        <a:solidFill>
+          <a:schemeClr val="phClr"/>
+        </a:solidFill>
+        <a:gradFill rotWithShape="1">
+          <a:gsLst>
+            <a:gs pos="0">
+              <a:schemeClr val="phClr">
+                <a:lumMod val="110000"/>
+                <a:satMod val="105000"/>
+                <a:tint val="67000"/>
+              </a:schemeClr>
+            </a:gs>
+            <a:gs pos="50000">
+              <a:schemeClr val="phClr">
+                <a:lumMod val="105000"/>
+                <a:satMod val="103000"/>
+                <a:tint val="73000"/>
+              </a:schemeClr>
+            </a:gs>
+            <a:gs pos="100000">
+              <a:schemeClr val="phClr">
+                <a:lumMod val="105000"/>
+                <a:satMod val="109000"/>
+                <a:tint val="81000"/>
+              </a:schemeClr>
+            </a:gs>
+          </a:gsLst>
+          <a:lin ang="5400000" scaled="0"/>
+        </a:gradFill>
+        <a:gradFill rotWithShape="1">
+          <a:gsLst>
+            <a:gs pos="0">
+              <a:schemeClr val="phClr">
+                <a:satMod val="103000"/>
+                <a:lumMod val="102000"/>
+                <a:tint val="94000"/>
+              </a:schemeClr>
+            </a:gs>
+            <a:gs pos="50000">
+              <a:schemeClr val="phClr">
+                <a:satMod val="110000"/>
+                <a:lumMod val="100000"/>
+                <a:shade val="100000"/>
+              </a:schemeClr>
+            </a:gs>
+            <a:gs pos="100000">
+              <a:schemeClr val="phClr">
+                <a:lumMod val="99000"/>
+                <a:satMod val="120000"/>
+                <a:shade val="78000"/>
+              </a:schemeClr>
+            </a:gs>
+          </a:gsLst>
+          <a:lin ang="5400000" scaled="0"/>
+        </a:gradFill>
+      </a:fillStyleLst>
+      <a:lnStyleLst>
+        <a:ln w="6350" cap="flat" cmpd="sng" algn="ctr">
+          <a:solidFill>
+            <a:schemeClr val="phClr"/>
+          </a:solidFill>
+          <a:prstDash val="solid"/>
+          <a:miter lim="800000"/>
+        </a:ln>
+        <a:ln w="12700" cap="flat" cmpd="sng" algn="ctr">
+          <a:solidFill>
+            <a:schemeClr val="phClr"/>
+          </a:solidFill>
+          <a:prstDash val="solid"/>
+          <a:miter lim="800000"/>
+        </a:ln>
+        <a:ln w="19050" cap="flat" cmpd="sng" algn="ctr">
+          <a:solidFill>
+            <a:schemeClr val="phClr"/>
+          </a:solidFill>
+          <a:prstDash val="solid"/>
+          <a:miter lim="800000"/>
+        </a:ln>
+      </a:lnStyleLst>
+      <a:effectStyleLst>
+        <a:effectStyle>
+          <a:effectLst/>
+        </a:effectStyle>
+        <a:effectStyle>
+          <a:effectLst/>
+        </a:effectStyle>
+        <a:effectStyle>
+          <a:effectLst>
+            <a:outerShdw blurRad="57150" dist="19050" dir="5400000" algn="ctr" rotWithShape="0">
+              <a:srgbClr val="000000">
+                <a:alpha val="63000"/>
+              </a:srgbClr>
+            </a:outerShdw>
+          </a:effectLst>
+        </a:effectStyle>
+      </a:effectStyleLst>
+      <a:bgFillStyleLst>
+        <a:solidFill>
+          <a:schemeClr val="phClr"/>
+        </a:solidFill>
+        <a:solidFill>
+          <a:schemeClr val="phClr">
+            <a:tint val="95000"/>
+            <a:satMod val="170000"/>
+          </a:schemeClr>
+        </a:solidFill>
+        <a:gradFill rotWithShape="1">
+          <a:gsLst>
+            <a:gs pos="0">
+              <a:schemeClr val="phClr">
+                <a:tint val="93000"/>
+                <a:satMod val="150000"/>
+                <a:shade val="98000"/>
+                <a:lumMod val="102000"/>
+              </a:schemeClr>
+            </a:gs>
+            <a:gs pos="50000">
+              <a:schemeClr val="phClr">
+                <a:tint val="98000"/>
+                <a:satMod val="130000"/>
+                <a:shade val="90000"/>
+                <a:lumMod val="103000"/>
+              </a:schemeClr>
+            </a:gs>
+            <a:gs pos="100000">
+              <a:schemeClr val="phClr">
+                <a:shade val="63000"/>
+                <a:satMod val="120000"/>
+              </a:schemeClr>
+            </a:gs>
+          </a:gsLst>
+          <a:lin ang="5400000" scaled="0"/>
+        </a:gradFill>
+      </a:bgFillStyleLst>
+    </a:fmtScheme>
+  </a:themeElements>
+  <a:objectDefaults/>
+  <a:extraClrSchemeLst/>
+  <a:extLst>
+    <a:ext uri="{05A4C25C-085E-4340-85A3-A5531E510DB2}">
+      <thm15:themeFamily xmlns:thm15="http://schemas.microsoft.com/office/thememl/2012/main" name="Office Theme" id="{62F939B6-93AF-4DB8-9C6B-D6C7DFDC589F}" vid="{4A3C46E8-61CC-4603-A589-7422A47A8E4A}"/>
+    </a:ext>
+  </a:extLst>
+</a:theme>
 </file>